--- a/database/slides/LORD_HAVE_MERCY_(MASS_OF_PEACE).pptx
+++ b/database/slides/LORD_HAVE_MERCY_(MASS_OF_PEACE).pptx
@@ -765,7 +765,7 @@
             </a:pPr>
             <a:r>
               <a:rPr lang="en-US"/>
-              <a:t>RECEIPPT-TAGS:LHM</a:t>
+              <a:t>RECEIPPT-TAGS:LORD HAVE MERCY</a:t>
             </a:r>
           </a:p>
         </p:txBody>

--- a/database/slides/LORD_HAVE_MERCY_(MASS_OF_PEACE).pptx
+++ b/database/slides/LORD_HAVE_MERCY_(MASS_OF_PEACE).pptx
@@ -15510,7 +15510,7 @@
               <a:buNone/>
             </a:pPr>
             <a:r>
-              <a:rPr lang="en-US" sz="3600" b="1" dirty="0">
+              <a:rPr lang="en-US" sz="4000" b="1" dirty="0">
                 <a:solidFill>
                   <a:schemeClr val="lt1"/>
                 </a:solidFill>
@@ -15533,7 +15533,30 @@
               <a:buNone/>
             </a:pPr>
             <a:r>
-              <a:rPr lang="en-US" sz="3600" b="1" dirty="0">
+              <a:rPr lang="en-US" sz="4000" b="1" dirty="0">
+                <a:solidFill>
+                  <a:schemeClr val="lt1"/>
+                </a:solidFill>
+              </a:rPr>
+              <a:t>Christ have mercy on your people,</a:t>
+            </a:r>
+          </a:p>
+          <a:p>
+            <a:pPr marL="114300" lvl="0" indent="0" algn="l" rtl="0">
+              <a:spcBef>
+                <a:spcPts val="0"/>
+              </a:spcBef>
+              <a:spcAft>
+                <a:spcPts val="0"/>
+              </a:spcAft>
+              <a:buClr>
+                <a:srgbClr val="00FF00"/>
+              </a:buClr>
+              <a:buSzPts val="2000"/>
+              <a:buNone/>
+            </a:pPr>
+            <a:r>
+              <a:rPr lang="en-US" sz="4000" b="1" dirty="0">
                 <a:solidFill>
                   <a:schemeClr val="lt1"/>
                 </a:solidFill>
@@ -15556,147 +15579,12 @@
               <a:buNone/>
             </a:pPr>
             <a:r>
-              <a:rPr lang="en-US" sz="3600" b="1" dirty="0">
-                <a:solidFill>
-                  <a:schemeClr val="lt1"/>
-                </a:solidFill>
-              </a:rPr>
-              <a:t>Lord have mercy on your people,</a:t>
-            </a:r>
-          </a:p>
-          <a:p>
-            <a:pPr marL="114300" lvl="0" indent="0" algn="l" rtl="0">
-              <a:spcBef>
-                <a:spcPts val="0"/>
-              </a:spcBef>
-              <a:spcAft>
-                <a:spcPts val="0"/>
-              </a:spcAft>
-              <a:buClr>
-                <a:srgbClr val="00FF00"/>
-              </a:buClr>
-              <a:buSzPts val="2000"/>
-              <a:buNone/>
-            </a:pPr>
-            <a:r>
-              <a:rPr lang="en-US" sz="3600" b="1" dirty="0">
+              <a:rPr lang="en-US" sz="4000" b="1" dirty="0">
                 <a:solidFill>
                   <a:schemeClr val="lt1"/>
                 </a:solidFill>
               </a:rPr>
               <a:t>Lord have mercy on us all.</a:t>
-            </a:r>
-          </a:p>
-          <a:p>
-            <a:pPr marL="114300" lvl="0" indent="0" algn="l" rtl="0">
-              <a:spcBef>
-                <a:spcPts val="0"/>
-              </a:spcBef>
-              <a:spcAft>
-                <a:spcPts val="0"/>
-              </a:spcAft>
-              <a:buClr>
-                <a:srgbClr val="00FF00"/>
-              </a:buClr>
-              <a:buSzPts val="2000"/>
-              <a:buNone/>
-            </a:pPr>
-            <a:endParaRPr lang="en-US" sz="3600" b="1" dirty="0">
-              <a:solidFill>
-                <a:schemeClr val="lt1"/>
-              </a:solidFill>
-            </a:endParaRPr>
-          </a:p>
-          <a:p>
-            <a:pPr marL="114300" lvl="0" indent="0" algn="l" rtl="0">
-              <a:spcBef>
-                <a:spcPts val="0"/>
-              </a:spcBef>
-              <a:spcAft>
-                <a:spcPts val="0"/>
-              </a:spcAft>
-              <a:buClr>
-                <a:srgbClr val="00FF00"/>
-              </a:buClr>
-              <a:buSzPts val="2000"/>
-              <a:buNone/>
-            </a:pPr>
-            <a:r>
-              <a:rPr lang="en-US" sz="3600" b="1" dirty="0">
-                <a:solidFill>
-                  <a:schemeClr val="lt1"/>
-                </a:solidFill>
-              </a:rPr>
-              <a:t>Christ have mercy on your people,</a:t>
-            </a:r>
-          </a:p>
-          <a:p>
-            <a:pPr marL="114300" lvl="0" indent="0" algn="l" rtl="0">
-              <a:spcBef>
-                <a:spcPts val="0"/>
-              </a:spcBef>
-              <a:spcAft>
-                <a:spcPts val="0"/>
-              </a:spcAft>
-              <a:buClr>
-                <a:srgbClr val="00FF00"/>
-              </a:buClr>
-              <a:buSzPts val="2000"/>
-              <a:buNone/>
-            </a:pPr>
-            <a:r>
-              <a:rPr lang="en-US" sz="3600" b="1" dirty="0">
-                <a:solidFill>
-                  <a:schemeClr val="lt1"/>
-                </a:solidFill>
-              </a:rPr>
-              <a:t>Christ have mercy on your people,</a:t>
-            </a:r>
-          </a:p>
-          <a:p>
-            <a:pPr marL="114300" lvl="0" indent="0" algn="l" rtl="0">
-              <a:spcBef>
-                <a:spcPts val="0"/>
-              </a:spcBef>
-              <a:spcAft>
-                <a:spcPts val="0"/>
-              </a:spcAft>
-              <a:buClr>
-                <a:srgbClr val="00FF00"/>
-              </a:buClr>
-              <a:buSzPts val="2000"/>
-              <a:buNone/>
-            </a:pPr>
-            <a:r>
-              <a:rPr lang="en-US" sz="3600" b="1" dirty="0">
-                <a:solidFill>
-                  <a:schemeClr val="lt1"/>
-                </a:solidFill>
-              </a:rPr>
-              <a:t>Christ have mercy on your people,</a:t>
-            </a:r>
-          </a:p>
-          <a:p>
-            <a:pPr marL="114300" lvl="0" indent="0" algn="l" rtl="0">
-              <a:spcBef>
-                <a:spcPts val="0"/>
-              </a:spcBef>
-              <a:spcAft>
-                <a:spcPts val="0"/>
-              </a:spcAft>
-              <a:buClr>
-                <a:srgbClr val="00FF00"/>
-              </a:buClr>
-              <a:buSzPts val="2000"/>
-              <a:buNone/>
-            </a:pPr>
-            <a:r>
-              <a:rPr lang="en-US" sz="3600" b="1" dirty="0">
-                <a:solidFill>
-                  <a:schemeClr val="lt1"/>
-                </a:solidFill>
-              </a:rPr>
-              <a:t>Christ have mercy on us all.</a:t>
             </a:r>
           </a:p>
         </p:txBody>
